--- a/Sprint 5 - documentação/Projeto_inicial.pptx
+++ b/Sprint 5 - documentação/Projeto_inicial.pptx
@@ -8,9 +8,10 @@
     <p:sldId id="256" r:id="rId2"/>
     <p:sldId id="257" r:id="rId3"/>
     <p:sldId id="258" r:id="rId4"/>
-    <p:sldId id="259" r:id="rId5"/>
-    <p:sldId id="260" r:id="rId6"/>
-    <p:sldId id="261" r:id="rId7"/>
+    <p:sldId id="262" r:id="rId5"/>
+    <p:sldId id="259" r:id="rId6"/>
+    <p:sldId id="260" r:id="rId7"/>
+    <p:sldId id="261" r:id="rId8"/>
   </p:sldIdLst>
   <p:sldSz cx="12192000" cy="6858000"/>
   <p:notesSz cx="6858000" cy="9144000"/>
@@ -243,7 +244,7 @@
           <a:p>
             <a:fld id="{04FED272-DB87-47E0-99C4-82BBC330F612}" type="datetimeFigureOut">
               <a:rPr lang="pt-BR" smtClean="0"/>
-              <a:t>09/08/2021</a:t>
+              <a:t>10/08/2021</a:t>
             </a:fld>
             <a:endParaRPr lang="pt-BR"/>
           </a:p>
@@ -413,7 +414,7 @@
           <a:p>
             <a:fld id="{04FED272-DB87-47E0-99C4-82BBC330F612}" type="datetimeFigureOut">
               <a:rPr lang="pt-BR" smtClean="0"/>
-              <a:t>09/08/2021</a:t>
+              <a:t>10/08/2021</a:t>
             </a:fld>
             <a:endParaRPr lang="pt-BR"/>
           </a:p>
@@ -593,7 +594,7 @@
           <a:p>
             <a:fld id="{04FED272-DB87-47E0-99C4-82BBC330F612}" type="datetimeFigureOut">
               <a:rPr lang="pt-BR" smtClean="0"/>
-              <a:t>09/08/2021</a:t>
+              <a:t>10/08/2021</a:t>
             </a:fld>
             <a:endParaRPr lang="pt-BR"/>
           </a:p>
@@ -763,7 +764,7 @@
           <a:p>
             <a:fld id="{04FED272-DB87-47E0-99C4-82BBC330F612}" type="datetimeFigureOut">
               <a:rPr lang="pt-BR" smtClean="0"/>
-              <a:t>09/08/2021</a:t>
+              <a:t>10/08/2021</a:t>
             </a:fld>
             <a:endParaRPr lang="pt-BR"/>
           </a:p>
@@ -1009,7 +1010,7 @@
           <a:p>
             <a:fld id="{04FED272-DB87-47E0-99C4-82BBC330F612}" type="datetimeFigureOut">
               <a:rPr lang="pt-BR" smtClean="0"/>
-              <a:t>09/08/2021</a:t>
+              <a:t>10/08/2021</a:t>
             </a:fld>
             <a:endParaRPr lang="pt-BR"/>
           </a:p>
@@ -1241,7 +1242,7 @@
           <a:p>
             <a:fld id="{04FED272-DB87-47E0-99C4-82BBC330F612}" type="datetimeFigureOut">
               <a:rPr lang="pt-BR" smtClean="0"/>
-              <a:t>09/08/2021</a:t>
+              <a:t>10/08/2021</a:t>
             </a:fld>
             <a:endParaRPr lang="pt-BR"/>
           </a:p>
@@ -1608,7 +1609,7 @@
           <a:p>
             <a:fld id="{04FED272-DB87-47E0-99C4-82BBC330F612}" type="datetimeFigureOut">
               <a:rPr lang="pt-BR" smtClean="0"/>
-              <a:t>09/08/2021</a:t>
+              <a:t>10/08/2021</a:t>
             </a:fld>
             <a:endParaRPr lang="pt-BR"/>
           </a:p>
@@ -1726,7 +1727,7 @@
           <a:p>
             <a:fld id="{04FED272-DB87-47E0-99C4-82BBC330F612}" type="datetimeFigureOut">
               <a:rPr lang="pt-BR" smtClean="0"/>
-              <a:t>09/08/2021</a:t>
+              <a:t>10/08/2021</a:t>
             </a:fld>
             <a:endParaRPr lang="pt-BR"/>
           </a:p>
@@ -1821,7 +1822,7 @@
           <a:p>
             <a:fld id="{04FED272-DB87-47E0-99C4-82BBC330F612}" type="datetimeFigureOut">
               <a:rPr lang="pt-BR" smtClean="0"/>
-              <a:t>09/08/2021</a:t>
+              <a:t>10/08/2021</a:t>
             </a:fld>
             <a:endParaRPr lang="pt-BR"/>
           </a:p>
@@ -2098,7 +2099,7 @@
           <a:p>
             <a:fld id="{04FED272-DB87-47E0-99C4-82BBC330F612}" type="datetimeFigureOut">
               <a:rPr lang="pt-BR" smtClean="0"/>
-              <a:t>09/08/2021</a:t>
+              <a:t>10/08/2021</a:t>
             </a:fld>
             <a:endParaRPr lang="pt-BR"/>
           </a:p>
@@ -2351,7 +2352,7 @@
           <a:p>
             <a:fld id="{04FED272-DB87-47E0-99C4-82BBC330F612}" type="datetimeFigureOut">
               <a:rPr lang="pt-BR" smtClean="0"/>
-              <a:t>09/08/2021</a:t>
+              <a:t>10/08/2021</a:t>
             </a:fld>
             <a:endParaRPr lang="pt-BR"/>
           </a:p>
@@ -2564,7 +2565,7 @@
           <a:p>
             <a:fld id="{04FED272-DB87-47E0-99C4-82BBC330F612}" type="datetimeFigureOut">
               <a:rPr lang="pt-BR" smtClean="0"/>
-              <a:t>09/08/2021</a:t>
+              <a:t>10/08/2021</a:t>
             </a:fld>
             <a:endParaRPr lang="pt-BR"/>
           </a:p>
@@ -3312,11 +3313,6 @@
               </a:rPr>
               <a:t>Gerenciamento de Patrimônio</a:t>
             </a:r>
-            <a:endParaRPr lang="pt-BR" sz="2000" b="1" dirty="0" smtClean="0">
-              <a:solidFill>
-                <a:srgbClr val="264E73"/>
-              </a:solidFill>
-            </a:endParaRPr>
           </a:p>
         </p:txBody>
       </p:sp>
@@ -3749,6 +3745,70 @@
           </a:prstGeom>
         </p:spPr>
       </p:pic>
+      <p:pic>
+        <p:nvPicPr>
+          <p:cNvPr id="1026" name="Picture 2"/>
+          <p:cNvPicPr>
+            <a:picLocks noChangeAspect="1" noChangeArrowheads="1"/>
+          </p:cNvPicPr>
+          <p:nvPr/>
+        </p:nvPicPr>
+        <p:blipFill>
+          <a:blip r:embed="rId3">
+            <a:extLst>
+              <a:ext uri="{28A0092B-C50C-407E-A947-70E740481C1C}">
+                <a14:useLocalDpi xmlns:a14="http://schemas.microsoft.com/office/drawing/2010/main" val="0"/>
+              </a:ext>
+            </a:extLst>
+          </a:blip>
+          <a:srcRect/>
+          <a:stretch>
+            <a:fillRect/>
+          </a:stretch>
+        </p:blipFill>
+        <p:spPr bwMode="auto">
+          <a:xfrm>
+            <a:off x="6365521" y="2013046"/>
+            <a:ext cx="5077090" cy="2471299"/>
+          </a:xfrm>
+          <a:prstGeom prst="rect">
+            <a:avLst/>
+          </a:prstGeom>
+          <a:noFill/>
+          <a:ln>
+            <a:noFill/>
+          </a:ln>
+          <a:effectLst/>
+          <a:extLst>
+            <a:ext uri="{909E8E84-426E-40DD-AFC4-6F175D3DCCD1}">
+              <a14:hiddenFill xmlns:a14="http://schemas.microsoft.com/office/drawing/2010/main">
+                <a:solidFill>
+                  <a:schemeClr val="accent1"/>
+                </a:solidFill>
+              </a14:hiddenFill>
+            </a:ext>
+            <a:ext uri="{91240B29-F687-4F45-9708-019B960494DF}">
+              <a14:hiddenLine xmlns:a14="http://schemas.microsoft.com/office/drawing/2010/main" w="9525">
+                <a:solidFill>
+                  <a:schemeClr val="tx1"/>
+                </a:solidFill>
+                <a:miter lim="800000"/>
+                <a:headEnd/>
+                <a:tailEnd/>
+              </a14:hiddenLine>
+            </a:ext>
+            <a:ext uri="{AF507438-7753-43E0-B8FC-AC1667EBCBE1}">
+              <a14:hiddenEffects xmlns:a14="http://schemas.microsoft.com/office/drawing/2010/main">
+                <a:effectLst>
+                  <a:outerShdw dist="35921" dir="2700000" algn="ctr" rotWithShape="0">
+                    <a:schemeClr val="bg2"/>
+                  </a:outerShdw>
+                </a:effectLst>
+              </a14:hiddenEffects>
+            </a:ext>
+          </a:extLst>
+        </p:spPr>
+      </p:pic>
     </p:spTree>
     <p:extLst>
       <p:ext uri="{BB962C8B-B14F-4D97-AF65-F5344CB8AC3E}">
@@ -3781,185 +3841,6 @@
       </p:grpSpPr>
       <p:sp>
         <p:nvSpPr>
-          <p:cNvPr id="3" name="Espaço Reservado para Conteúdo 2"/>
-          <p:cNvSpPr>
-            <a:spLocks noGrp="1"/>
-          </p:cNvSpPr>
-          <p:nvPr>
-            <p:ph idx="1"/>
-          </p:nvPr>
-        </p:nvSpPr>
-        <p:spPr>
-          <a:xfrm>
-            <a:off x="1377243" y="2412648"/>
-            <a:ext cx="9976558" cy="2825397"/>
-          </a:xfrm>
-        </p:spPr>
-        <p:txBody>
-          <a:bodyPr>
-            <a:normAutofit/>
-          </a:bodyPr>
-          <a:lstStyle/>
-          <a:p>
-            <a:pPr marL="0" indent="0">
-              <a:buNone/>
-            </a:pPr>
-            <a:r>
-              <a:rPr lang="en-US" sz="2000" dirty="0" smtClean="0">
-                <a:solidFill>
-                  <a:srgbClr val="6E0E01"/>
-                </a:solidFill>
-              </a:rPr>
-              <a:t>A </a:t>
-            </a:r>
-            <a:r>
-              <a:rPr lang="en-US" sz="2000" dirty="0" err="1" smtClean="0">
-                <a:solidFill>
-                  <a:srgbClr val="6E0E01"/>
-                </a:solidFill>
-              </a:rPr>
-              <a:t>aplicação</a:t>
-            </a:r>
-            <a:r>
-              <a:rPr lang="en-US" sz="2000" dirty="0" smtClean="0">
-                <a:solidFill>
-                  <a:srgbClr val="6E0E01"/>
-                </a:solidFill>
-              </a:rPr>
-              <a:t> </a:t>
-            </a:r>
-            <a:r>
-              <a:rPr lang="en-US" sz="2000" dirty="0" err="1" smtClean="0">
-                <a:solidFill>
-                  <a:srgbClr val="6E0E01"/>
-                </a:solidFill>
-              </a:rPr>
-              <a:t>será</a:t>
-            </a:r>
-            <a:r>
-              <a:rPr lang="en-US" sz="2000" dirty="0" smtClean="0">
-                <a:solidFill>
-                  <a:srgbClr val="6E0E01"/>
-                </a:solidFill>
-              </a:rPr>
-              <a:t> </a:t>
-            </a:r>
-            <a:r>
-              <a:rPr lang="en-US" sz="2000" dirty="0" err="1" smtClean="0">
-                <a:solidFill>
-                  <a:srgbClr val="6E0E01"/>
-                </a:solidFill>
-              </a:rPr>
-              <a:t>capaz</a:t>
-            </a:r>
-            <a:r>
-              <a:rPr lang="en-US" sz="2000" dirty="0" smtClean="0">
-                <a:solidFill>
-                  <a:srgbClr val="6E0E01"/>
-                </a:solidFill>
-              </a:rPr>
-              <a:t> de:</a:t>
-            </a:r>
-          </a:p>
-          <a:p>
-            <a:endParaRPr lang="en-US" sz="2000" dirty="0">
-              <a:solidFill>
-                <a:srgbClr val="6E0E01"/>
-              </a:solidFill>
-            </a:endParaRPr>
-          </a:p>
-          <a:p>
-            <a:r>
-              <a:rPr lang="pt-BR" sz="2000" dirty="0" smtClean="0">
-                <a:solidFill>
-                  <a:srgbClr val="6E0E01"/>
-                </a:solidFill>
-              </a:rPr>
-              <a:t>Cadastrar </a:t>
-            </a:r>
-            <a:r>
-              <a:rPr lang="pt-BR" sz="2000" dirty="0">
-                <a:solidFill>
-                  <a:srgbClr val="6E0E01"/>
-                </a:solidFill>
-              </a:rPr>
-              <a:t>novos equipamentos, salas e usuários;</a:t>
-            </a:r>
-          </a:p>
-          <a:p>
-            <a:r>
-              <a:rPr lang="pt-BR" sz="2000" dirty="0">
-                <a:solidFill>
-                  <a:srgbClr val="6E0E01"/>
-                </a:solidFill>
-              </a:rPr>
-              <a:t>E</a:t>
-            </a:r>
-            <a:r>
-              <a:rPr lang="pt-BR" sz="2000" dirty="0" smtClean="0">
-                <a:solidFill>
-                  <a:srgbClr val="6E0E01"/>
-                </a:solidFill>
-              </a:rPr>
-              <a:t>ditar </a:t>
-            </a:r>
-            <a:r>
-              <a:rPr lang="pt-BR" sz="2000" dirty="0">
-                <a:solidFill>
-                  <a:srgbClr val="6E0E01"/>
-                </a:solidFill>
-              </a:rPr>
-              <a:t>os dados de equipamentos, salas e usuários;</a:t>
-            </a:r>
-          </a:p>
-          <a:p>
-            <a:r>
-              <a:rPr lang="pt-BR" sz="2000" dirty="0" smtClean="0">
-                <a:solidFill>
-                  <a:srgbClr val="6E0E01"/>
-                </a:solidFill>
-              </a:rPr>
-              <a:t>Excluir </a:t>
-            </a:r>
-            <a:r>
-              <a:rPr lang="pt-BR" sz="2000" dirty="0">
-                <a:solidFill>
-                  <a:srgbClr val="6E0E01"/>
-                </a:solidFill>
-              </a:rPr>
-              <a:t>dados </a:t>
-            </a:r>
-            <a:r>
-              <a:rPr lang="pt-BR" sz="2000" dirty="0" smtClean="0">
-                <a:solidFill>
-                  <a:srgbClr val="6E0E01"/>
-                </a:solidFill>
-              </a:rPr>
-              <a:t>cadastrados</a:t>
-            </a:r>
-            <a:r>
-              <a:rPr lang="pt-BR" sz="2000" dirty="0">
-                <a:solidFill>
-                  <a:srgbClr val="6E0E01"/>
-                </a:solidFill>
-              </a:rPr>
-              <a:t>;</a:t>
-            </a:r>
-          </a:p>
-          <a:p>
-            <a:r>
-              <a:rPr lang="pt-BR" sz="2000" dirty="0" smtClean="0">
-                <a:solidFill>
-                  <a:srgbClr val="6E0E01"/>
-                </a:solidFill>
-              </a:rPr>
-              <a:t>Listar as informações cadastras e o usuário quem as cadastrou;</a:t>
-            </a:r>
-          </a:p>
-        </p:txBody>
-      </p:sp>
-      <p:sp>
-        <p:nvSpPr>
           <p:cNvPr id="4" name="Retângulo 3"/>
           <p:cNvSpPr/>
           <p:nvPr/>
@@ -4048,7 +3929,7 @@
         </p:nvSpPr>
         <p:spPr>
           <a:xfrm>
-            <a:off x="1377243" y="365125"/>
+            <a:off x="1506828" y="384588"/>
             <a:ext cx="9976557" cy="1325563"/>
           </a:xfrm>
           <a:prstGeom prst="rect">
@@ -4087,7 +3968,7 @@
                 <a:latin typeface="Arial" panose="020B0604020202020204" pitchFamily="34" charset="0"/>
                 <a:cs typeface="Arial" panose="020B0604020202020204" pitchFamily="34" charset="0"/>
               </a:rPr>
-              <a:t>Funcionalidades</a:t>
+              <a:t>Problema</a:t>
             </a:r>
             <a:endParaRPr lang="pt-BR" dirty="0">
               <a:solidFill>
@@ -4129,10 +4010,78 @@
           </a:prstGeom>
         </p:spPr>
       </p:pic>
+      <p:sp>
+        <p:nvSpPr>
+          <p:cNvPr id="2" name="CaixaDeTexto 1"/>
+          <p:cNvSpPr txBox="1"/>
+          <p:nvPr/>
+        </p:nvSpPr>
+        <p:spPr>
+          <a:xfrm>
+            <a:off x="1377241" y="1648496"/>
+            <a:ext cx="7315998" cy="369332"/>
+          </a:xfrm>
+          <a:prstGeom prst="rect">
+            <a:avLst/>
+          </a:prstGeom>
+          <a:noFill/>
+        </p:spPr>
+        <p:txBody>
+          <a:bodyPr wrap="square" rtlCol="0">
+            <a:spAutoFit/>
+          </a:bodyPr>
+          <a:lstStyle/>
+          <a:p>
+            <a:endParaRPr lang="pt-BR" dirty="0"/>
+          </a:p>
+        </p:txBody>
+      </p:sp>
+      <p:sp>
+        <p:nvSpPr>
+          <p:cNvPr id="3" name="CaixaDeTexto 2"/>
+          <p:cNvSpPr txBox="1"/>
+          <p:nvPr/>
+        </p:nvSpPr>
+        <p:spPr>
+          <a:xfrm>
+            <a:off x="1506828" y="1648496"/>
+            <a:ext cx="6787166" cy="2062103"/>
+          </a:xfrm>
+          <a:prstGeom prst="rect">
+            <a:avLst/>
+          </a:prstGeom>
+          <a:noFill/>
+        </p:spPr>
+        <p:txBody>
+          <a:bodyPr wrap="square" rtlCol="0">
+            <a:spAutoFit/>
+          </a:bodyPr>
+          <a:lstStyle/>
+          <a:p>
+            <a:r>
+              <a:rPr lang="pt-BR" sz="3200" dirty="0">
+                <a:solidFill>
+                  <a:srgbClr val="C00000"/>
+                </a:solidFill>
+                <a:latin typeface="Arial" panose="020B0604020202020204" pitchFamily="34" charset="0"/>
+                <a:cs typeface="Arial" panose="020B0604020202020204" pitchFamily="34" charset="0"/>
+              </a:rPr>
+              <a:t>Uma nova escola deseja criar um sistema de gerenciamento de seu patrimônio, para facilitar a gestão de suas salas e equipamentos </a:t>
+            </a:r>
+            <a:endParaRPr lang="pt-BR" sz="3200" dirty="0">
+              <a:solidFill>
+                <a:srgbClr val="C00000"/>
+              </a:solidFill>
+              <a:latin typeface="Arial" panose="020B0604020202020204" pitchFamily="34" charset="0"/>
+              <a:cs typeface="Arial" panose="020B0604020202020204" pitchFamily="34" charset="0"/>
+            </a:endParaRPr>
+          </a:p>
+        </p:txBody>
+      </p:sp>
     </p:spTree>
     <p:extLst>
       <p:ext uri="{BB962C8B-B14F-4D97-AF65-F5344CB8AC3E}">
-        <p14:creationId xmlns:p14="http://schemas.microsoft.com/office/powerpoint/2010/main" val="199217434"/>
+        <p14:creationId xmlns:p14="http://schemas.microsoft.com/office/powerpoint/2010/main" val="3764641057"/>
       </p:ext>
     </p:extLst>
   </p:cSld>
@@ -4161,6 +4110,185 @@
       </p:grpSpPr>
       <p:sp>
         <p:nvSpPr>
+          <p:cNvPr id="3" name="Espaço Reservado para Conteúdo 2"/>
+          <p:cNvSpPr>
+            <a:spLocks noGrp="1"/>
+          </p:cNvSpPr>
+          <p:nvPr>
+            <p:ph idx="1"/>
+          </p:nvPr>
+        </p:nvSpPr>
+        <p:spPr>
+          <a:xfrm>
+            <a:off x="1377243" y="2412648"/>
+            <a:ext cx="9976558" cy="2825397"/>
+          </a:xfrm>
+        </p:spPr>
+        <p:txBody>
+          <a:bodyPr>
+            <a:normAutofit/>
+          </a:bodyPr>
+          <a:lstStyle/>
+          <a:p>
+            <a:pPr marL="0" indent="0">
+              <a:buNone/>
+            </a:pPr>
+            <a:r>
+              <a:rPr lang="en-US" sz="2000" dirty="0" smtClean="0">
+                <a:solidFill>
+                  <a:srgbClr val="6E0E01"/>
+                </a:solidFill>
+              </a:rPr>
+              <a:t>A </a:t>
+            </a:r>
+            <a:r>
+              <a:rPr lang="en-US" sz="2000" dirty="0" err="1" smtClean="0">
+                <a:solidFill>
+                  <a:srgbClr val="6E0E01"/>
+                </a:solidFill>
+              </a:rPr>
+              <a:t>aplicação</a:t>
+            </a:r>
+            <a:r>
+              <a:rPr lang="en-US" sz="2000" dirty="0" smtClean="0">
+                <a:solidFill>
+                  <a:srgbClr val="6E0E01"/>
+                </a:solidFill>
+              </a:rPr>
+              <a:t> </a:t>
+            </a:r>
+            <a:r>
+              <a:rPr lang="en-US" sz="2000" dirty="0" err="1" smtClean="0">
+                <a:solidFill>
+                  <a:srgbClr val="6E0E01"/>
+                </a:solidFill>
+              </a:rPr>
+              <a:t>será</a:t>
+            </a:r>
+            <a:r>
+              <a:rPr lang="en-US" sz="2000" dirty="0" smtClean="0">
+                <a:solidFill>
+                  <a:srgbClr val="6E0E01"/>
+                </a:solidFill>
+              </a:rPr>
+              <a:t> </a:t>
+            </a:r>
+            <a:r>
+              <a:rPr lang="en-US" sz="2000" dirty="0" err="1" smtClean="0">
+                <a:solidFill>
+                  <a:srgbClr val="6E0E01"/>
+                </a:solidFill>
+              </a:rPr>
+              <a:t>capaz</a:t>
+            </a:r>
+            <a:r>
+              <a:rPr lang="en-US" sz="2000" dirty="0" smtClean="0">
+                <a:solidFill>
+                  <a:srgbClr val="6E0E01"/>
+                </a:solidFill>
+              </a:rPr>
+              <a:t> de:</a:t>
+            </a:r>
+          </a:p>
+          <a:p>
+            <a:endParaRPr lang="en-US" sz="2000" dirty="0">
+              <a:solidFill>
+                <a:srgbClr val="6E0E01"/>
+              </a:solidFill>
+            </a:endParaRPr>
+          </a:p>
+          <a:p>
+            <a:r>
+              <a:rPr lang="pt-BR" sz="2000" dirty="0" smtClean="0">
+                <a:solidFill>
+                  <a:srgbClr val="6E0E01"/>
+                </a:solidFill>
+              </a:rPr>
+              <a:t>Cadastrar </a:t>
+            </a:r>
+            <a:r>
+              <a:rPr lang="pt-BR" sz="2000" dirty="0">
+                <a:solidFill>
+                  <a:srgbClr val="6E0E01"/>
+                </a:solidFill>
+              </a:rPr>
+              <a:t>novos equipamentos, salas e usuários;</a:t>
+            </a:r>
+          </a:p>
+          <a:p>
+            <a:r>
+              <a:rPr lang="pt-BR" sz="2000" dirty="0">
+                <a:solidFill>
+                  <a:srgbClr val="6E0E01"/>
+                </a:solidFill>
+              </a:rPr>
+              <a:t>E</a:t>
+            </a:r>
+            <a:r>
+              <a:rPr lang="pt-BR" sz="2000" dirty="0" smtClean="0">
+                <a:solidFill>
+                  <a:srgbClr val="6E0E01"/>
+                </a:solidFill>
+              </a:rPr>
+              <a:t>ditar </a:t>
+            </a:r>
+            <a:r>
+              <a:rPr lang="pt-BR" sz="2000" dirty="0">
+                <a:solidFill>
+                  <a:srgbClr val="6E0E01"/>
+                </a:solidFill>
+              </a:rPr>
+              <a:t>os dados de equipamentos, salas e usuários;</a:t>
+            </a:r>
+          </a:p>
+          <a:p>
+            <a:r>
+              <a:rPr lang="pt-BR" sz="2000" dirty="0" smtClean="0">
+                <a:solidFill>
+                  <a:srgbClr val="6E0E01"/>
+                </a:solidFill>
+              </a:rPr>
+              <a:t>Excluir </a:t>
+            </a:r>
+            <a:r>
+              <a:rPr lang="pt-BR" sz="2000" dirty="0">
+                <a:solidFill>
+                  <a:srgbClr val="6E0E01"/>
+                </a:solidFill>
+              </a:rPr>
+              <a:t>dados </a:t>
+            </a:r>
+            <a:r>
+              <a:rPr lang="pt-BR" sz="2000" dirty="0" smtClean="0">
+                <a:solidFill>
+                  <a:srgbClr val="6E0E01"/>
+                </a:solidFill>
+              </a:rPr>
+              <a:t>cadastrados</a:t>
+            </a:r>
+            <a:r>
+              <a:rPr lang="pt-BR" sz="2000" dirty="0">
+                <a:solidFill>
+                  <a:srgbClr val="6E0E01"/>
+                </a:solidFill>
+              </a:rPr>
+              <a:t>;</a:t>
+            </a:r>
+          </a:p>
+          <a:p>
+            <a:r>
+              <a:rPr lang="pt-BR" sz="2000" dirty="0" smtClean="0">
+                <a:solidFill>
+                  <a:srgbClr val="6E0E01"/>
+                </a:solidFill>
+              </a:rPr>
+              <a:t>Listar as informações cadastras e o usuário quem as cadastrou;</a:t>
+            </a:r>
+          </a:p>
+        </p:txBody>
+      </p:sp>
+      <p:sp>
+        <p:nvSpPr>
           <p:cNvPr id="4" name="Retângulo 3"/>
           <p:cNvSpPr/>
           <p:nvPr/>
@@ -4249,7 +4377,7 @@
         </p:nvSpPr>
         <p:spPr>
           <a:xfrm>
-            <a:off x="1377242" y="2766218"/>
+            <a:off x="1377243" y="365125"/>
             <a:ext cx="9976557" cy="1325563"/>
           </a:xfrm>
           <a:prstGeom prst="rect">
@@ -4280,7 +4408,6 @@
             </a:lvl1pPr>
           </a:lstStyle>
           <a:p>
-            <a:pPr algn="ctr"/>
             <a:r>
               <a:rPr lang="pt-BR" dirty="0" smtClean="0">
                 <a:solidFill>
@@ -4289,7 +4416,7 @@
                 <a:latin typeface="Arial" panose="020B0604020202020204" pitchFamily="34" charset="0"/>
                 <a:cs typeface="Arial" panose="020B0604020202020204" pitchFamily="34" charset="0"/>
               </a:rPr>
-              <a:t>Demonstração</a:t>
+              <a:t>Funcionalidades </a:t>
             </a:r>
             <a:endParaRPr lang="pt-BR" dirty="0">
               <a:solidFill>
@@ -4334,6 +4461,208 @@
     </p:spTree>
     <p:extLst>
       <p:ext uri="{BB962C8B-B14F-4D97-AF65-F5344CB8AC3E}">
+        <p14:creationId xmlns:p14="http://schemas.microsoft.com/office/powerpoint/2010/main" val="199217434"/>
+      </p:ext>
+    </p:extLst>
+  </p:cSld>
+  <p:clrMapOvr>
+    <a:masterClrMapping/>
+  </p:clrMapOvr>
+</p:sld>
+</file>
+
+<file path=ppt/slides/slide6.xml><?xml version="1.0" encoding="utf-8"?>
+<p:sld xmlns:a="http://schemas.openxmlformats.org/drawingml/2006/main" xmlns:r="http://schemas.openxmlformats.org/officeDocument/2006/relationships" xmlns:p="http://schemas.openxmlformats.org/presentationml/2006/main">
+  <p:cSld>
+    <p:spTree>
+      <p:nvGrpSpPr>
+        <p:cNvPr id="1" name=""/>
+        <p:cNvGrpSpPr/>
+        <p:nvPr/>
+      </p:nvGrpSpPr>
+      <p:grpSpPr>
+        <a:xfrm>
+          <a:off x="0" y="0"/>
+          <a:ext cx="0" cy="0"/>
+          <a:chOff x="0" y="0"/>
+          <a:chExt cx="0" cy="0"/>
+        </a:xfrm>
+      </p:grpSpPr>
+      <p:sp>
+        <p:nvSpPr>
+          <p:cNvPr id="4" name="Retângulo 3"/>
+          <p:cNvSpPr/>
+          <p:nvPr/>
+        </p:nvSpPr>
+        <p:spPr>
+          <a:xfrm>
+            <a:off x="0" y="0"/>
+            <a:ext cx="914400" cy="6858000"/>
+          </a:xfrm>
+          <a:prstGeom prst="rect">
+            <a:avLst/>
+          </a:prstGeom>
+          <a:solidFill>
+            <a:srgbClr val="FF0000"/>
+          </a:solidFill>
+          <a:ln>
+            <a:noFill/>
+          </a:ln>
+        </p:spPr>
+        <p:style>
+          <a:lnRef idx="2">
+            <a:schemeClr val="accent1">
+              <a:shade val="50000"/>
+            </a:schemeClr>
+          </a:lnRef>
+          <a:fillRef idx="1">
+            <a:schemeClr val="accent1"/>
+          </a:fillRef>
+          <a:effectRef idx="0">
+            <a:schemeClr val="accent1"/>
+          </a:effectRef>
+          <a:fontRef idx="minor">
+            <a:schemeClr val="lt1"/>
+          </a:fontRef>
+        </p:style>
+        <p:txBody>
+          <a:bodyPr rtlCol="0" anchor="ctr"/>
+          <a:lstStyle/>
+          <a:p>
+            <a:pPr algn="ctr"/>
+            <a:endParaRPr lang="pt-BR">
+              <a:solidFill>
+                <a:schemeClr val="bg1"/>
+              </a:solidFill>
+            </a:endParaRPr>
+          </a:p>
+        </p:txBody>
+      </p:sp>
+      <p:pic>
+        <p:nvPicPr>
+          <p:cNvPr id="5" name="Imagem 4"/>
+          <p:cNvPicPr>
+            <a:picLocks noChangeAspect="1"/>
+          </p:cNvPicPr>
+          <p:nvPr/>
+        </p:nvPicPr>
+        <p:blipFill>
+          <a:blip r:embed="rId2">
+            <a:extLst>
+              <a:ext uri="{28A0092B-C50C-407E-A947-70E740481C1C}">
+                <a14:useLocalDpi xmlns:a14="http://schemas.microsoft.com/office/drawing/2010/main" val="0"/>
+              </a:ext>
+            </a:extLst>
+          </a:blip>
+          <a:stretch>
+            <a:fillRect/>
+          </a:stretch>
+        </p:blipFill>
+        <p:spPr>
+          <a:xfrm rot="16200000">
+            <a:off x="-762665" y="4635365"/>
+            <a:ext cx="2439729" cy="620889"/>
+          </a:xfrm>
+          <a:prstGeom prst="rect">
+            <a:avLst/>
+          </a:prstGeom>
+        </p:spPr>
+      </p:pic>
+      <p:sp>
+        <p:nvSpPr>
+          <p:cNvPr id="7" name="Título 1"/>
+          <p:cNvSpPr txBox="1">
+            <a:spLocks/>
+          </p:cNvSpPr>
+          <p:nvPr/>
+        </p:nvSpPr>
+        <p:spPr>
+          <a:xfrm>
+            <a:off x="1377242" y="2766218"/>
+            <a:ext cx="9976557" cy="1325563"/>
+          </a:xfrm>
+          <a:prstGeom prst="rect">
+            <a:avLst/>
+          </a:prstGeom>
+        </p:spPr>
+        <p:txBody>
+          <a:bodyPr vert="horz" lIns="91440" tIns="45720" rIns="91440" bIns="45720" rtlCol="0" anchor="ctr">
+            <a:normAutofit/>
+          </a:bodyPr>
+          <a:lstStyle>
+            <a:lvl1pPr algn="l" defTabSz="914400" rtl="0" eaLnBrk="1" latinLnBrk="0" hangingPunct="1">
+              <a:lnSpc>
+                <a:spcPct val="90000"/>
+              </a:lnSpc>
+              <a:spcBef>
+                <a:spcPct val="0"/>
+              </a:spcBef>
+              <a:buNone/>
+              <a:defRPr sz="4400" kern="1200">
+                <a:solidFill>
+                  <a:schemeClr val="tx1"/>
+                </a:solidFill>
+                <a:latin typeface="+mj-lt"/>
+                <a:ea typeface="+mj-ea"/>
+                <a:cs typeface="+mj-cs"/>
+              </a:defRPr>
+            </a:lvl1pPr>
+          </a:lstStyle>
+          <a:p>
+            <a:pPr algn="ctr"/>
+            <a:r>
+              <a:rPr lang="pt-BR" dirty="0" smtClean="0">
+                <a:solidFill>
+                  <a:srgbClr val="264E73"/>
+                </a:solidFill>
+                <a:latin typeface="Arial" panose="020B0604020202020204" pitchFamily="34" charset="0"/>
+                <a:cs typeface="Arial" panose="020B0604020202020204" pitchFamily="34" charset="0"/>
+              </a:rPr>
+              <a:t>Demonstração</a:t>
+            </a:r>
+            <a:endParaRPr lang="pt-BR" dirty="0">
+              <a:solidFill>
+                <a:srgbClr val="264E73"/>
+              </a:solidFill>
+              <a:latin typeface="Arial" panose="020B0604020202020204" pitchFamily="34" charset="0"/>
+              <a:cs typeface="Arial" panose="020B0604020202020204" pitchFamily="34" charset="0"/>
+            </a:endParaRPr>
+          </a:p>
+        </p:txBody>
+      </p:sp>
+      <p:pic>
+        <p:nvPicPr>
+          <p:cNvPr id="6" name="Imagem 5"/>
+          <p:cNvPicPr>
+            <a:picLocks noChangeAspect="1"/>
+          </p:cNvPicPr>
+          <p:nvPr/>
+        </p:nvPicPr>
+        <p:blipFill>
+          <a:blip r:embed="rId2">
+            <a:extLst>
+              <a:ext uri="{28A0092B-C50C-407E-A947-70E740481C1C}">
+                <a14:useLocalDpi xmlns:a14="http://schemas.microsoft.com/office/drawing/2010/main" val="0"/>
+              </a:ext>
+            </a:extLst>
+          </a:blip>
+          <a:stretch>
+            <a:fillRect/>
+          </a:stretch>
+        </p:blipFill>
+        <p:spPr>
+          <a:xfrm>
+            <a:off x="8914070" y="5486399"/>
+            <a:ext cx="2439729" cy="620889"/>
+          </a:xfrm>
+          <a:prstGeom prst="rect">
+            <a:avLst/>
+          </a:prstGeom>
+        </p:spPr>
+      </p:pic>
+    </p:spTree>
+    <p:extLst>
+      <p:ext uri="{BB962C8B-B14F-4D97-AF65-F5344CB8AC3E}">
         <p14:creationId xmlns:p14="http://schemas.microsoft.com/office/powerpoint/2010/main" val="3364208898"/>
       </p:ext>
     </p:extLst>
@@ -4344,7 +4673,7 @@
 </p:sld>
 </file>
 
-<file path=ppt/slides/slide6.xml><?xml version="1.0" encoding="utf-8"?>
+<file path=ppt/slides/slide7.xml><?xml version="1.0" encoding="utf-8"?>
 <p:sld xmlns:a="http://schemas.openxmlformats.org/drawingml/2006/main" xmlns:r="http://schemas.openxmlformats.org/officeDocument/2006/relationships" xmlns:p="http://schemas.openxmlformats.org/presentationml/2006/main">
   <p:cSld>
     <p:spTree>
@@ -4401,7 +4730,7 @@
         </p:nvSpPr>
         <p:spPr>
           <a:xfrm>
-            <a:off x="1377242" y="2766218"/>
+            <a:off x="1171180" y="821509"/>
             <a:ext cx="9976557" cy="1325563"/>
           </a:xfrm>
           <a:prstGeom prst="rect">
@@ -4450,6 +4779,136 @@
               <a:latin typeface="Arial" panose="020B0604020202020204" pitchFamily="34" charset="0"/>
               <a:cs typeface="Arial" panose="020B0604020202020204" pitchFamily="34" charset="0"/>
             </a:endParaRPr>
+          </a:p>
+        </p:txBody>
+      </p:sp>
+      <p:sp>
+        <p:nvSpPr>
+          <p:cNvPr id="2" name="CaixaDeTexto 1"/>
+          <p:cNvSpPr txBox="1"/>
+          <p:nvPr/>
+        </p:nvSpPr>
+        <p:spPr>
+          <a:xfrm>
+            <a:off x="528034" y="2859110"/>
+            <a:ext cx="6684135" cy="1754326"/>
+          </a:xfrm>
+          <a:prstGeom prst="rect">
+            <a:avLst/>
+          </a:prstGeom>
+          <a:noFill/>
+        </p:spPr>
+        <p:txBody>
+          <a:bodyPr wrap="square" rtlCol="0">
+            <a:spAutoFit/>
+          </a:bodyPr>
+          <a:lstStyle/>
+          <a:p>
+            <a:r>
+              <a:rPr lang="pt-BR" dirty="0" smtClean="0">
+                <a:solidFill>
+                  <a:schemeClr val="accent1">
+                    <a:lumMod val="50000"/>
+                  </a:schemeClr>
+                </a:solidFill>
+                <a:latin typeface="Arial" panose="020B0604020202020204" pitchFamily="34" charset="0"/>
+                <a:cs typeface="Arial" panose="020B0604020202020204" pitchFamily="34" charset="0"/>
+              </a:rPr>
+              <a:t>Git</a:t>
+            </a:r>
+            <a:r>
+              <a:rPr lang="pt-BR" dirty="0">
+                <a:solidFill>
+                  <a:schemeClr val="accent1">
+                    <a:lumMod val="50000"/>
+                  </a:schemeClr>
+                </a:solidFill>
+                <a:latin typeface="Arial" panose="020B0604020202020204" pitchFamily="34" charset="0"/>
+                <a:cs typeface="Arial" panose="020B0604020202020204" pitchFamily="34" charset="0"/>
+              </a:rPr>
+              <a:t>H</a:t>
+            </a:r>
+            <a:r>
+              <a:rPr lang="pt-BR" dirty="0" smtClean="0">
+                <a:solidFill>
+                  <a:schemeClr val="accent1">
+                    <a:lumMod val="50000"/>
+                  </a:schemeClr>
+                </a:solidFill>
+                <a:latin typeface="Arial" panose="020B0604020202020204" pitchFamily="34" charset="0"/>
+                <a:cs typeface="Arial" panose="020B0604020202020204" pitchFamily="34" charset="0"/>
+              </a:rPr>
+              <a:t>ub dos Integrantes:</a:t>
+            </a:r>
+          </a:p>
+          <a:p>
+            <a:r>
+              <a:rPr lang="pt-BR" dirty="0" smtClean="0">
+                <a:hlinkClick r:id="rId3"/>
+              </a:rPr>
+              <a:t>https</a:t>
+            </a:r>
+            <a:r>
+              <a:rPr lang="pt-BR" dirty="0">
+                <a:hlinkClick r:id="rId3"/>
+              </a:rPr>
+              <a:t>://</a:t>
+            </a:r>
+            <a:r>
+              <a:rPr lang="pt-BR" dirty="0" smtClean="0">
+                <a:hlinkClick r:id="rId3"/>
+              </a:rPr>
+              <a:t>github.com/enzzo-dev</a:t>
+            </a:r>
+            <a:endParaRPr lang="pt-BR" dirty="0" smtClean="0"/>
+          </a:p>
+          <a:p>
+            <a:r>
+              <a:rPr lang="pt-BR" dirty="0">
+                <a:hlinkClick r:id="rId4"/>
+              </a:rPr>
+              <a:t>https://</a:t>
+            </a:r>
+            <a:r>
+              <a:rPr lang="pt-BR" dirty="0" smtClean="0">
+                <a:hlinkClick r:id="rId4"/>
+              </a:rPr>
+              <a:t>github.com/gabrielpereira1111</a:t>
+            </a:r>
+            <a:endParaRPr lang="pt-BR" dirty="0" smtClean="0"/>
+          </a:p>
+          <a:p>
+            <a:r>
+              <a:rPr lang="pt-BR" dirty="0">
+                <a:hlinkClick r:id="rId5"/>
+              </a:rPr>
+              <a:t>https://</a:t>
+            </a:r>
+            <a:r>
+              <a:rPr lang="pt-BR" dirty="0" smtClean="0">
+                <a:hlinkClick r:id="rId5"/>
+              </a:rPr>
+              <a:t>github.com/ErikaLeite</a:t>
+            </a:r>
+            <a:endParaRPr lang="pt-BR" dirty="0" smtClean="0"/>
+          </a:p>
+          <a:p>
+            <a:r>
+              <a:rPr lang="pt-BR" dirty="0">
+                <a:hlinkClick r:id="rId6"/>
+              </a:rPr>
+              <a:t>https://</a:t>
+            </a:r>
+            <a:r>
+              <a:rPr lang="pt-BR" dirty="0" smtClean="0">
+                <a:hlinkClick r:id="rId6"/>
+              </a:rPr>
+              <a:t>github.com/joysenaidevs</a:t>
+            </a:r>
+            <a:endParaRPr lang="pt-BR" dirty="0" smtClean="0"/>
+          </a:p>
+          <a:p>
+            <a:endParaRPr lang="pt-BR" dirty="0"/>
           </a:p>
         </p:txBody>
       </p:sp>
@@ -4721,7 +5180,7 @@
   <a:extraClrSchemeLst/>
   <a:extLst>
     <a:ext uri="{05A4C25C-085E-4340-85A3-A5531E510DB2}">
-      <thm15:themeFamily xmlns:thm15="http://schemas.microsoft.com/office/thememl/2012/main" name="Office Theme" id="{62F939B6-93AF-4DB8-9C6B-D6C7DFDC589F}" vid="{4A3C46E8-61CC-4603-A589-7422A47A8E4A}"/>
+      <thm15:themeFamily xmlns:thm15="http://schemas.microsoft.com/office/thememl/2012/main" xmlns="" name="Office Theme" id="{62F939B6-93AF-4DB8-9C6B-D6C7DFDC589F}" vid="{4A3C46E8-61CC-4603-A589-7422A47A8E4A}"/>
     </a:ext>
   </a:extLst>
 </a:theme>
